--- a/pres-source/05-additional-tools.pptx
+++ b/pres-source/05-additional-tools.pptx
@@ -5,7 +5,7 @@
     <p:sldMasterId id="2147483648" r:id="rId1"/>
   </p:sldMasterIdLst>
   <p:notesMasterIdLst>
-    <p:notesMasterId r:id="rId34"/>
+    <p:notesMasterId r:id="rId35"/>
   </p:notesMasterIdLst>
   <p:sldIdLst>
     <p:sldId id="256" r:id="rId2"/>
@@ -34,12 +34,13 @@
     <p:sldId id="316" r:id="rId25"/>
     <p:sldId id="322" r:id="rId26"/>
     <p:sldId id="323" r:id="rId27"/>
-    <p:sldId id="319" r:id="rId28"/>
-    <p:sldId id="324" r:id="rId29"/>
-    <p:sldId id="320" r:id="rId30"/>
-    <p:sldId id="325" r:id="rId31"/>
-    <p:sldId id="321" r:id="rId32"/>
-    <p:sldId id="278" r:id="rId33"/>
+    <p:sldId id="326" r:id="rId28"/>
+    <p:sldId id="319" r:id="rId29"/>
+    <p:sldId id="324" r:id="rId30"/>
+    <p:sldId id="320" r:id="rId31"/>
+    <p:sldId id="325" r:id="rId32"/>
+    <p:sldId id="321" r:id="rId33"/>
+    <p:sldId id="278" r:id="rId34"/>
   </p:sldIdLst>
   <p:sldSz cx="9144000" cy="6858000" type="screen4x3"/>
   <p:notesSz cx="6858000" cy="9144000"/>
@@ -258,7 +259,7 @@
             <a:fld id="{7307762F-A706-E543-A832-3C298AA3103F}" type="datetimeFigureOut">
               <a:rPr lang="en-US" smtClean="0"/>
               <a:pPr/>
-              <a:t>3/1/19</a:t>
+              <a:t>2/25/20</a:t>
             </a:fld>
             <a:endParaRPr lang="en-US" dirty="0"/>
           </a:p>
@@ -719,6 +720,94 @@
 </p:notes>
 </file>
 
+<file path=ppt/notesSlides/notesSlide3.xml><?xml version="1.0" encoding="utf-8"?>
+<p:notes xmlns:a="http://schemas.openxmlformats.org/drawingml/2006/main" xmlns:r="http://schemas.openxmlformats.org/officeDocument/2006/relationships" xmlns:p="http://schemas.openxmlformats.org/presentationml/2006/main">
+  <p:cSld>
+    <p:spTree>
+      <p:nvGrpSpPr>
+        <p:cNvPr id="1" name=""/>
+        <p:cNvGrpSpPr/>
+        <p:nvPr/>
+      </p:nvGrpSpPr>
+      <p:grpSpPr>
+        <a:xfrm>
+          <a:off x="0" y="0"/>
+          <a:ext cx="0" cy="0"/>
+          <a:chOff x="0" y="0"/>
+          <a:chExt cx="0" cy="0"/>
+        </a:xfrm>
+      </p:grpSpPr>
+      <p:sp>
+        <p:nvSpPr>
+          <p:cNvPr id="2" name="Slide Image Placeholder 1"/>
+          <p:cNvSpPr>
+            <a:spLocks noGrp="1" noRot="1" noChangeAspect="1"/>
+          </p:cNvSpPr>
+          <p:nvPr>
+            <p:ph type="sldImg"/>
+          </p:nvPr>
+        </p:nvSpPr>
+        <p:spPr/>
+      </p:sp>
+      <p:sp>
+        <p:nvSpPr>
+          <p:cNvPr id="3" name="Notes Placeholder 2"/>
+          <p:cNvSpPr>
+            <a:spLocks noGrp="1"/>
+          </p:cNvSpPr>
+          <p:nvPr>
+            <p:ph type="body" idx="1"/>
+          </p:nvPr>
+        </p:nvSpPr>
+        <p:spPr/>
+        <p:txBody>
+          <a:bodyPr/>
+          <a:lstStyle/>
+          <a:p>
+            <a:r>
+              <a:rPr lang="en-US" dirty="0"/>
+              <a:t>update with current screen shot?  Showing EMR</a:t>
+            </a:r>
+          </a:p>
+        </p:txBody>
+      </p:sp>
+      <p:sp>
+        <p:nvSpPr>
+          <p:cNvPr id="4" name="Slide Number Placeholder 3"/>
+          <p:cNvSpPr>
+            <a:spLocks noGrp="1"/>
+          </p:cNvSpPr>
+          <p:nvPr>
+            <p:ph type="sldNum" sz="quarter" idx="5"/>
+          </p:nvPr>
+        </p:nvSpPr>
+        <p:spPr/>
+        <p:txBody>
+          <a:bodyPr/>
+          <a:lstStyle/>
+          <a:p>
+            <a:fld id="{BC39F3E1-B436-EB4D-8332-DAA0486A7B2B}" type="slidenum">
+              <a:rPr lang="en-US" smtClean="0"/>
+              <a:pPr/>
+              <a:t>25</a:t>
+            </a:fld>
+            <a:endParaRPr lang="en-US" dirty="0"/>
+          </a:p>
+        </p:txBody>
+      </p:sp>
+    </p:spTree>
+    <p:extLst>
+      <p:ext uri="{BB962C8B-B14F-4D97-AF65-F5344CB8AC3E}">
+        <p14:creationId xmlns:p14="http://schemas.microsoft.com/office/powerpoint/2010/main" val="1741053082"/>
+      </p:ext>
+    </p:extLst>
+  </p:cSld>
+  <p:clrMapOvr>
+    <a:masterClrMapping/>
+  </p:clrMapOvr>
+</p:notes>
+</file>
+
 <file path=ppt/slideLayouts/slideLayout1.xml><?xml version="1.0" encoding="utf-8"?>
 <p:sldLayout xmlns:a="http://schemas.openxmlformats.org/drawingml/2006/main" xmlns:r="http://schemas.openxmlformats.org/officeDocument/2006/relationships" xmlns:p="http://schemas.openxmlformats.org/presentationml/2006/main" type="title" preserve="1">
   <p:cSld name="Title Slide">
@@ -1009,7 +1098,7 @@
           <a:p>
             <a:fld id="{875CF0EB-321F-0749-B37A-89BBA859503C}" type="datetimeFigureOut">
               <a:rPr lang="en-US" smtClean="0"/>
-              <a:t>3/1/19</a:t>
+              <a:t>2/25/20</a:t>
             </a:fld>
             <a:endParaRPr lang="en-US"/>
           </a:p>
@@ -1211,7 +1300,7 @@
           <a:p>
             <a:fld id="{875CF0EB-321F-0749-B37A-89BBA859503C}" type="datetimeFigureOut">
               <a:rPr lang="en-US" smtClean="0"/>
-              <a:t>3/1/19</a:t>
+              <a:t>2/25/20</a:t>
             </a:fld>
             <a:endParaRPr lang="en-US"/>
           </a:p>
@@ -1403,7 +1492,7 @@
           <a:p>
             <a:fld id="{875CF0EB-321F-0749-B37A-89BBA859503C}" type="datetimeFigureOut">
               <a:rPr lang="en-US" smtClean="0"/>
-              <a:t>3/1/19</a:t>
+              <a:t>2/25/20</a:t>
             </a:fld>
             <a:endParaRPr lang="en-US"/>
           </a:p>
@@ -1672,7 +1761,7 @@
           <a:p>
             <a:fld id="{875CF0EB-321F-0749-B37A-89BBA859503C}" type="datetimeFigureOut">
               <a:rPr lang="en-US" smtClean="0"/>
-              <a:t>3/1/19</a:t>
+              <a:t>2/25/20</a:t>
             </a:fld>
             <a:endParaRPr lang="en-US"/>
           </a:p>
@@ -1981,7 +2070,7 @@
           <a:p>
             <a:fld id="{875CF0EB-321F-0749-B37A-89BBA859503C}" type="datetimeFigureOut">
               <a:rPr lang="en-US" smtClean="0"/>
-              <a:t>3/1/19</a:t>
+              <a:t>2/25/20</a:t>
             </a:fld>
             <a:endParaRPr lang="en-US"/>
           </a:p>
@@ -2424,7 +2513,7 @@
           <a:p>
             <a:fld id="{875CF0EB-321F-0749-B37A-89BBA859503C}" type="datetimeFigureOut">
               <a:rPr lang="en-US" smtClean="0"/>
-              <a:t>3/1/19</a:t>
+              <a:t>2/25/20</a:t>
             </a:fld>
             <a:endParaRPr lang="en-US"/>
           </a:p>
@@ -2565,7 +2654,7 @@
           <a:p>
             <a:fld id="{875CF0EB-321F-0749-B37A-89BBA859503C}" type="datetimeFigureOut">
               <a:rPr lang="en-US" smtClean="0"/>
-              <a:t>3/1/19</a:t>
+              <a:t>2/25/20</a:t>
             </a:fld>
             <a:endParaRPr lang="en-US"/>
           </a:p>
@@ -2684,7 +2773,7 @@
           <a:p>
             <a:fld id="{875CF0EB-321F-0749-B37A-89BBA859503C}" type="datetimeFigureOut">
               <a:rPr lang="en-US" smtClean="0"/>
-              <a:t>3/1/19</a:t>
+              <a:t>2/25/20</a:t>
             </a:fld>
             <a:endParaRPr lang="en-US"/>
           </a:p>
@@ -2983,7 +3072,7 @@
           <a:p>
             <a:fld id="{875CF0EB-321F-0749-B37A-89BBA859503C}" type="datetimeFigureOut">
               <a:rPr lang="en-US" smtClean="0"/>
-              <a:t>3/1/19</a:t>
+              <a:t>2/25/20</a:t>
             </a:fld>
             <a:endParaRPr lang="en-US"/>
           </a:p>
@@ -3259,7 +3348,7 @@
           <a:p>
             <a:fld id="{875CF0EB-321F-0749-B37A-89BBA859503C}" type="datetimeFigureOut">
               <a:rPr lang="en-US" smtClean="0"/>
-              <a:t>3/1/19</a:t>
+              <a:t>2/25/20</a:t>
             </a:fld>
             <a:endParaRPr lang="en-US"/>
           </a:p>
@@ -3473,14 +3562,14 @@
           </a:ln>
           <a:extLst>
             <a:ext uri="{909E8E84-426E-40dd-AFC4-6F175D3DCCD1}">
-              <a14:hiddenFill xmlns="" xmlns:a14="http://schemas.microsoft.com/office/drawing/2010/main">
+              <a14:hiddenFill xmlns:a14="http://schemas.microsoft.com/office/drawing/2010/main" xmlns="">
                 <a:solidFill>
                   <a:srgbClr val="FFFFFF"/>
                 </a:solidFill>
               </a14:hiddenFill>
             </a:ext>
             <a:ext uri="{91240B29-F687-4f45-9708-019B960494DF}">
-              <a14:hiddenLine xmlns="" xmlns:a14="http://schemas.microsoft.com/office/drawing/2010/main" w="9525">
+              <a14:hiddenLine xmlns:a14="http://schemas.microsoft.com/office/drawing/2010/main" xmlns="" w="9525">
                 <a:solidFill>
                   <a:srgbClr val="000000"/>
                 </a:solidFill>
@@ -4034,14 +4123,14 @@
           <a:noFill/>
           <a:extLst>
             <a:ext uri="{909E8E84-426E-40dd-AFC4-6F175D3DCCD1}">
-              <a14:hiddenFill xmlns="" xmlns:a14="http://schemas.microsoft.com/office/drawing/2010/main">
+              <a14:hiddenFill xmlns:a14="http://schemas.microsoft.com/office/drawing/2010/main" xmlns="">
                 <a:solidFill>
                   <a:srgbClr val="FFFFFF"/>
                 </a:solidFill>
               </a14:hiddenFill>
             </a:ext>
             <a:ext uri="{91240B29-F687-4f45-9708-019B960494DF}">
-              <a14:hiddenLine xmlns="" xmlns:a14="http://schemas.microsoft.com/office/drawing/2010/main" w="9525">
+              <a14:hiddenLine xmlns:a14="http://schemas.microsoft.com/office/drawing/2010/main" xmlns="" w="9525">
                 <a:solidFill>
                   <a:srgbClr val="000000"/>
                 </a:solidFill>
@@ -4115,14 +4204,14 @@
           <a:noFill/>
           <a:extLst>
             <a:ext uri="{909E8E84-426E-40dd-AFC4-6F175D3DCCD1}">
-              <a14:hiddenFill xmlns="" xmlns:a14="http://schemas.microsoft.com/office/drawing/2010/main">
+              <a14:hiddenFill xmlns:a14="http://schemas.microsoft.com/office/drawing/2010/main" xmlns="">
                 <a:solidFill>
                   <a:srgbClr val="FFFFFF"/>
                 </a:solidFill>
               </a14:hiddenFill>
             </a:ext>
             <a:ext uri="{91240B29-F687-4f45-9708-019B960494DF}">
-              <a14:hiddenLine xmlns="" xmlns:a14="http://schemas.microsoft.com/office/drawing/2010/main" w="9525">
+              <a14:hiddenLine xmlns:a14="http://schemas.microsoft.com/office/drawing/2010/main" xmlns="" w="9525">
                 <a:solidFill>
                   <a:srgbClr val="000000"/>
                 </a:solidFill>
@@ -4158,7 +4247,7 @@
                 <a:ea typeface="ヒラギノ角ゴ ProN W3" charset="0"/>
                 <a:cs typeface="ヒラギノ角ゴ ProN W3" charset="0"/>
               </a:rPr>
-              <a:t>March 2019</a:t>
+              <a:t>March 2020</a:t>
             </a:r>
           </a:p>
         </p:txBody>
@@ -7118,7 +7207,7 @@
           <p:nvPr/>
         </p:nvPicPr>
         <p:blipFill>
-          <a:blip r:embed="rId2"/>
+          <a:blip r:embed="rId3"/>
           <a:stretch>
             <a:fillRect/>
           </a:stretch>
@@ -7321,7 +7410,13 @@
       </p:grpSpPr>
       <p:sp>
         <p:nvSpPr>
-          <p:cNvPr id="2" name="Title 1"/>
+          <p:cNvPr id="2" name="Title 1">
+            <a:extLst>
+              <a:ext uri="{FF2B5EF4-FFF2-40B4-BE49-F238E27FC236}">
+                <a16:creationId xmlns:a16="http://schemas.microsoft.com/office/drawing/2014/main" id="{72522291-97AE-DB43-A316-A5AFAE8FD78F}"/>
+              </a:ext>
+            </a:extLst>
+          </p:cNvPr>
           <p:cNvSpPr>
             <a:spLocks noGrp="1"/>
           </p:cNvSpPr>
@@ -7335,41 +7430,73 @@
           <a:lstStyle/>
           <a:p>
             <a:r>
+              <a:rPr lang="en-US" dirty="0"/>
+              <a:t>AWS - EMR</a:t>
+            </a:r>
+          </a:p>
+        </p:txBody>
+      </p:sp>
+      <p:sp>
+        <p:nvSpPr>
+          <p:cNvPr id="3" name="Content Placeholder 2">
+            <a:extLst>
+              <a:ext uri="{FF2B5EF4-FFF2-40B4-BE49-F238E27FC236}">
+                <a16:creationId xmlns:a16="http://schemas.microsoft.com/office/drawing/2014/main" id="{1199EA33-D04D-E64A-8648-ACE2C518DC80}"/>
+              </a:ext>
+            </a:extLst>
+          </p:cNvPr>
+          <p:cNvSpPr>
+            <a:spLocks noGrp="1"/>
+          </p:cNvSpPr>
+          <p:nvPr>
+            <p:ph idx="1"/>
+          </p:nvPr>
+        </p:nvSpPr>
+        <p:spPr/>
+        <p:txBody>
+          <a:bodyPr/>
+          <a:lstStyle/>
+          <a:p>
+            <a:r>
+              <a:rPr lang="en-US" dirty="0"/>
+              <a:t>EMR (Elastic Map Reduce)</a:t>
+            </a:r>
+          </a:p>
+          <a:p>
+            <a:pPr lvl="1"/>
+            <a:r>
+              <a:rPr lang="en-US" dirty="0"/>
+              <a:t>runs on top of EC2</a:t>
+            </a:r>
+          </a:p>
+          <a:p>
+            <a:pPr lvl="1"/>
+            <a:r>
+              <a:rPr lang="en-US" dirty="0"/>
+              <a:t>provides straightforward interface for launching clusters and running Spark</a:t>
+            </a:r>
+          </a:p>
+          <a:p>
+            <a:pPr lvl="1"/>
+            <a:r>
+              <a:rPr lang="en-US" dirty="0"/>
+              <a:t>lab will go through the process of starting a cluster with Spark and other python packages installed, running </a:t>
+            </a:r>
+            <a:r>
               <a:rPr lang="en-US" dirty="0" err="1"/>
-              <a:t>Flintrock</a:t>
-            </a:r>
-            <a:endParaRPr lang="en-US" dirty="0"/>
-          </a:p>
-        </p:txBody>
-      </p:sp>
-      <p:pic>
-        <p:nvPicPr>
-          <p:cNvPr id="4" name="Content Placeholder 3"/>
-          <p:cNvPicPr>
-            <a:picLocks noGrp="1" noChangeAspect="1"/>
-          </p:cNvPicPr>
-          <p:nvPr>
-            <p:ph idx="1"/>
-          </p:nvPr>
-        </p:nvPicPr>
-        <p:blipFill>
-          <a:blip r:embed="rId2"/>
-          <a:srcRect l="4284" r="4284"/>
-          <a:stretch>
-            <a:fillRect/>
-          </a:stretch>
-        </p:blipFill>
-        <p:spPr>
-          <a:xfrm>
-            <a:off x="774080" y="1417638"/>
-            <a:ext cx="8229600" cy="4525963"/>
-          </a:xfrm>
-        </p:spPr>
-      </p:pic>
+              <a:t>Jupyter</a:t>
+            </a:r>
+            <a:r>
+              <a:rPr lang="en-US" dirty="0"/>
+              <a:t> notebooks on the cluster, and introduce SSH connection for more intensive python scripts</a:t>
+            </a:r>
+          </a:p>
+        </p:txBody>
+      </p:sp>
     </p:spTree>
     <p:extLst>
       <p:ext uri="{BB962C8B-B14F-4D97-AF65-F5344CB8AC3E}">
-        <p14:creationId xmlns:p14="http://schemas.microsoft.com/office/powerpoint/2010/main" val="4129864817"/>
+        <p14:creationId xmlns:p14="http://schemas.microsoft.com/office/powerpoint/2010/main" val="1378728324"/>
       </p:ext>
     </p:extLst>
   </p:cSld>
@@ -7380,7 +7507,7 @@
 </file>
 
 <file path=ppt/slides/slide28.xml><?xml version="1.0" encoding="utf-8"?>
-<p:sld xmlns:a="http://schemas.openxmlformats.org/drawingml/2006/main" xmlns:r="http://schemas.openxmlformats.org/officeDocument/2006/relationships" xmlns:p="http://schemas.openxmlformats.org/presentationml/2006/main">
+<p:sld xmlns:a="http://schemas.openxmlformats.org/drawingml/2006/main" xmlns:r="http://schemas.openxmlformats.org/officeDocument/2006/relationships" xmlns:p="http://schemas.openxmlformats.org/presentationml/2006/main" show="0">
   <p:cSld>
     <p:spTree>
       <p:nvGrpSpPr>
@@ -7398,13 +7525,7 @@
       </p:grpSpPr>
       <p:sp>
         <p:nvSpPr>
-          <p:cNvPr id="2" name="Title 1">
-            <a:extLst>
-              <a:ext uri="{FF2B5EF4-FFF2-40B4-BE49-F238E27FC236}">
-                <a16:creationId xmlns:a16="http://schemas.microsoft.com/office/drawing/2014/main" id="{EDBAF2B1-4029-414C-956E-98EC56153626}"/>
-              </a:ext>
-            </a:extLst>
-          </p:cNvPr>
+          <p:cNvPr id="2" name="Title 1"/>
           <p:cNvSpPr>
             <a:spLocks noGrp="1"/>
           </p:cNvSpPr>
@@ -7418,21 +7539,16 @@
           <a:lstStyle/>
           <a:p>
             <a:r>
-              <a:rPr lang="en-US" dirty="0"/>
-              <a:t>Installing standalone version</a:t>
-            </a:r>
+              <a:rPr lang="en-US" dirty="0" err="1"/>
+              <a:t>Flintrock</a:t>
+            </a:r>
+            <a:endParaRPr lang="en-US" dirty="0"/>
           </a:p>
         </p:txBody>
       </p:sp>
       <p:pic>
         <p:nvPicPr>
-          <p:cNvPr id="5" name="Content Placeholder 4">
-            <a:extLst>
-              <a:ext uri="{FF2B5EF4-FFF2-40B4-BE49-F238E27FC236}">
-                <a16:creationId xmlns:a16="http://schemas.microsoft.com/office/drawing/2014/main" id="{4C42ADEA-D8AF-D049-8389-7EC273BF5254}"/>
-              </a:ext>
-            </a:extLst>
-          </p:cNvPr>
+          <p:cNvPr id="4" name="Content Placeholder 3"/>
           <p:cNvPicPr>
             <a:picLocks noGrp="1" noChangeAspect="1"/>
           </p:cNvPicPr>
@@ -7442,21 +7558,22 @@
         </p:nvPicPr>
         <p:blipFill>
           <a:blip r:embed="rId2"/>
+          <a:srcRect l="4284" r="4284"/>
           <a:stretch>
             <a:fillRect/>
           </a:stretch>
         </p:blipFill>
         <p:spPr>
           <a:xfrm>
-            <a:off x="235435" y="1676400"/>
-            <a:ext cx="8315898" cy="4273201"/>
+            <a:off x="774080" y="1417638"/>
+            <a:ext cx="8229600" cy="4525963"/>
           </a:xfrm>
         </p:spPr>
       </p:pic>
     </p:spTree>
     <p:extLst>
       <p:ext uri="{BB962C8B-B14F-4D97-AF65-F5344CB8AC3E}">
-        <p14:creationId xmlns:p14="http://schemas.microsoft.com/office/powerpoint/2010/main" val="2754606213"/>
+        <p14:creationId xmlns:p14="http://schemas.microsoft.com/office/powerpoint/2010/main" val="4129864817"/>
       </p:ext>
     </p:extLst>
   </p:cSld>
@@ -7467,7 +7584,7 @@
 </file>
 
 <file path=ppt/slides/slide29.xml><?xml version="1.0" encoding="utf-8"?>
-<p:sld xmlns:a="http://schemas.openxmlformats.org/drawingml/2006/main" xmlns:r="http://schemas.openxmlformats.org/officeDocument/2006/relationships" xmlns:p="http://schemas.openxmlformats.org/presentationml/2006/main">
+<p:sld xmlns:a="http://schemas.openxmlformats.org/drawingml/2006/main" xmlns:r="http://schemas.openxmlformats.org/officeDocument/2006/relationships" xmlns:p="http://schemas.openxmlformats.org/presentationml/2006/main" show="0">
   <p:cSld>
     <p:spTree>
       <p:nvGrpSpPr>
@@ -7485,7 +7602,13 @@
       </p:grpSpPr>
       <p:sp>
         <p:nvSpPr>
-          <p:cNvPr id="2" name="Title 1"/>
+          <p:cNvPr id="2" name="Title 1">
+            <a:extLst>
+              <a:ext uri="{FF2B5EF4-FFF2-40B4-BE49-F238E27FC236}">
+                <a16:creationId xmlns:a16="http://schemas.microsoft.com/office/drawing/2014/main" id="{EDBAF2B1-4029-414C-956E-98EC56153626}"/>
+              </a:ext>
+            </a:extLst>
+          </p:cNvPr>
           <p:cNvSpPr>
             <a:spLocks noGrp="1"/>
           </p:cNvSpPr>
@@ -7499,23 +7622,27 @@
           <a:lstStyle/>
           <a:p>
             <a:r>
-              <a:rPr lang="en-US" dirty="0" err="1"/>
-              <a:t>Flintrock</a:t>
-            </a:r>
-            <a:r>
-              <a:rPr lang="en-US" dirty="0"/>
-              <a:t> Launching a cluster</a:t>
+              <a:rPr lang="en-US" dirty="0"/>
+              <a:t>Installing standalone version</a:t>
             </a:r>
           </a:p>
         </p:txBody>
       </p:sp>
       <p:pic>
         <p:nvPicPr>
-          <p:cNvPr id="4" name="Picture 3"/>
+          <p:cNvPr id="5" name="Content Placeholder 4">
+            <a:extLst>
+              <a:ext uri="{FF2B5EF4-FFF2-40B4-BE49-F238E27FC236}">
+                <a16:creationId xmlns:a16="http://schemas.microsoft.com/office/drawing/2014/main" id="{4C42ADEA-D8AF-D049-8389-7EC273BF5254}"/>
+              </a:ext>
+            </a:extLst>
+          </p:cNvPr>
           <p:cNvPicPr>
-            <a:picLocks noChangeAspect="1"/>
+            <a:picLocks noGrp="1" noChangeAspect="1"/>
           </p:cNvPicPr>
-          <p:nvPr/>
+          <p:nvPr>
+            <p:ph idx="1"/>
+          </p:nvPr>
         </p:nvPicPr>
         <p:blipFill>
           <a:blip r:embed="rId2"/>
@@ -7525,18 +7652,15 @@
         </p:blipFill>
         <p:spPr>
           <a:xfrm>
-            <a:off x="168922" y="1417638"/>
-            <a:ext cx="8517878" cy="3887520"/>
-          </a:xfrm>
-          <a:prstGeom prst="rect">
-            <a:avLst/>
-          </a:prstGeom>
+            <a:off x="235435" y="1676400"/>
+            <a:ext cx="8315898" cy="4273201"/>
+          </a:xfrm>
         </p:spPr>
       </p:pic>
     </p:spTree>
     <p:extLst>
       <p:ext uri="{BB962C8B-B14F-4D97-AF65-F5344CB8AC3E}">
-        <p14:creationId xmlns:p14="http://schemas.microsoft.com/office/powerpoint/2010/main" val="2244670542"/>
+        <p14:creationId xmlns:p14="http://schemas.microsoft.com/office/powerpoint/2010/main" val="2754606213"/>
       </p:ext>
     </p:extLst>
   </p:cSld>
@@ -7676,7 +7800,7 @@
 </file>
 
 <file path=ppt/slides/slide30.xml><?xml version="1.0" encoding="utf-8"?>
-<p:sld xmlns:a="http://schemas.openxmlformats.org/drawingml/2006/main" xmlns:r="http://schemas.openxmlformats.org/officeDocument/2006/relationships" xmlns:p="http://schemas.openxmlformats.org/presentationml/2006/main">
+<p:sld xmlns:a="http://schemas.openxmlformats.org/drawingml/2006/main" xmlns:r="http://schemas.openxmlformats.org/officeDocument/2006/relationships" xmlns:p="http://schemas.openxmlformats.org/presentationml/2006/main" show="0">
   <p:cSld>
     <p:spTree>
       <p:nvGrpSpPr>
@@ -7694,13 +7818,7 @@
       </p:grpSpPr>
       <p:sp>
         <p:nvSpPr>
-          <p:cNvPr id="2" name="Title 1">
-            <a:extLst>
-              <a:ext uri="{FF2B5EF4-FFF2-40B4-BE49-F238E27FC236}">
-                <a16:creationId xmlns:a16="http://schemas.microsoft.com/office/drawing/2014/main" id="{206EB1E5-97CE-104A-B064-4FC4C1CD87FB}"/>
-              </a:ext>
-            </a:extLst>
-          </p:cNvPr>
+          <p:cNvPr id="2" name="Title 1"/>
           <p:cNvSpPr>
             <a:spLocks noGrp="1"/>
           </p:cNvSpPr>
@@ -7719,26 +7837,18 @@
             </a:r>
             <a:r>
               <a:rPr lang="en-US" dirty="0"/>
-              <a:t> configure</a:t>
+              <a:t> Launching a cluster</a:t>
             </a:r>
           </a:p>
         </p:txBody>
       </p:sp>
       <p:pic>
         <p:nvPicPr>
-          <p:cNvPr id="5" name="Content Placeholder 4">
-            <a:extLst>
-              <a:ext uri="{FF2B5EF4-FFF2-40B4-BE49-F238E27FC236}">
-                <a16:creationId xmlns:a16="http://schemas.microsoft.com/office/drawing/2014/main" id="{D25665CB-1FE1-4D4B-A6DE-7F90045E45C4}"/>
-              </a:ext>
-            </a:extLst>
-          </p:cNvPr>
+          <p:cNvPr id="4" name="Picture 3"/>
           <p:cNvPicPr>
-            <a:picLocks noGrp="1" noChangeAspect="1"/>
+            <a:picLocks noChangeAspect="1"/>
           </p:cNvPicPr>
-          <p:nvPr>
-            <p:ph idx="1"/>
-          </p:nvPr>
+          <p:nvPr/>
         </p:nvPicPr>
         <p:blipFill>
           <a:blip r:embed="rId2"/>
@@ -7748,15 +7858,18 @@
         </p:blipFill>
         <p:spPr>
           <a:xfrm>
-            <a:off x="1531339" y="1185944"/>
-            <a:ext cx="6715194" cy="5134428"/>
-          </a:xfrm>
+            <a:off x="168922" y="1417638"/>
+            <a:ext cx="8517878" cy="3887520"/>
+          </a:xfrm>
+          <a:prstGeom prst="rect">
+            <a:avLst/>
+          </a:prstGeom>
         </p:spPr>
       </p:pic>
     </p:spTree>
     <p:extLst>
       <p:ext uri="{BB962C8B-B14F-4D97-AF65-F5344CB8AC3E}">
-        <p14:creationId xmlns:p14="http://schemas.microsoft.com/office/powerpoint/2010/main" val="859005545"/>
+        <p14:creationId xmlns:p14="http://schemas.microsoft.com/office/powerpoint/2010/main" val="2244670542"/>
       </p:ext>
     </p:extLst>
   </p:cSld>
@@ -7767,7 +7880,7 @@
 </file>
 
 <file path=ppt/slides/slide31.xml><?xml version="1.0" encoding="utf-8"?>
-<p:sld xmlns:a="http://schemas.openxmlformats.org/drawingml/2006/main" xmlns:r="http://schemas.openxmlformats.org/officeDocument/2006/relationships" xmlns:p="http://schemas.openxmlformats.org/presentationml/2006/main">
+<p:sld xmlns:a="http://schemas.openxmlformats.org/drawingml/2006/main" xmlns:r="http://schemas.openxmlformats.org/officeDocument/2006/relationships" xmlns:p="http://schemas.openxmlformats.org/presentationml/2006/main" show="0">
   <p:cSld>
     <p:spTree>
       <p:nvGrpSpPr>
@@ -7785,6 +7898,97 @@
       </p:grpSpPr>
       <p:sp>
         <p:nvSpPr>
+          <p:cNvPr id="2" name="Title 1">
+            <a:extLst>
+              <a:ext uri="{FF2B5EF4-FFF2-40B4-BE49-F238E27FC236}">
+                <a16:creationId xmlns:a16="http://schemas.microsoft.com/office/drawing/2014/main" id="{206EB1E5-97CE-104A-B064-4FC4C1CD87FB}"/>
+              </a:ext>
+            </a:extLst>
+          </p:cNvPr>
+          <p:cNvSpPr>
+            <a:spLocks noGrp="1"/>
+          </p:cNvSpPr>
+          <p:nvPr>
+            <p:ph type="title"/>
+          </p:nvPr>
+        </p:nvSpPr>
+        <p:spPr/>
+        <p:txBody>
+          <a:bodyPr/>
+          <a:lstStyle/>
+          <a:p>
+            <a:r>
+              <a:rPr lang="en-US" dirty="0" err="1"/>
+              <a:t>Flintrock</a:t>
+            </a:r>
+            <a:r>
+              <a:rPr lang="en-US" dirty="0"/>
+              <a:t> configure</a:t>
+            </a:r>
+          </a:p>
+        </p:txBody>
+      </p:sp>
+      <p:pic>
+        <p:nvPicPr>
+          <p:cNvPr id="5" name="Content Placeholder 4">
+            <a:extLst>
+              <a:ext uri="{FF2B5EF4-FFF2-40B4-BE49-F238E27FC236}">
+                <a16:creationId xmlns:a16="http://schemas.microsoft.com/office/drawing/2014/main" id="{D25665CB-1FE1-4D4B-A6DE-7F90045E45C4}"/>
+              </a:ext>
+            </a:extLst>
+          </p:cNvPr>
+          <p:cNvPicPr>
+            <a:picLocks noGrp="1" noChangeAspect="1"/>
+          </p:cNvPicPr>
+          <p:nvPr>
+            <p:ph idx="1"/>
+          </p:nvPr>
+        </p:nvPicPr>
+        <p:blipFill>
+          <a:blip r:embed="rId2"/>
+          <a:stretch>
+            <a:fillRect/>
+          </a:stretch>
+        </p:blipFill>
+        <p:spPr>
+          <a:xfrm>
+            <a:off x="1531339" y="1185944"/>
+            <a:ext cx="6715194" cy="5134428"/>
+          </a:xfrm>
+        </p:spPr>
+      </p:pic>
+    </p:spTree>
+    <p:extLst>
+      <p:ext uri="{BB962C8B-B14F-4D97-AF65-F5344CB8AC3E}">
+        <p14:creationId xmlns:p14="http://schemas.microsoft.com/office/powerpoint/2010/main" val="859005545"/>
+      </p:ext>
+    </p:extLst>
+  </p:cSld>
+  <p:clrMapOvr>
+    <a:masterClrMapping/>
+  </p:clrMapOvr>
+</p:sld>
+</file>
+
+<file path=ppt/slides/slide32.xml><?xml version="1.0" encoding="utf-8"?>
+<p:sld xmlns:a="http://schemas.openxmlformats.org/drawingml/2006/main" xmlns:r="http://schemas.openxmlformats.org/officeDocument/2006/relationships" xmlns:p="http://schemas.openxmlformats.org/presentationml/2006/main" show="0">
+  <p:cSld>
+    <p:spTree>
+      <p:nvGrpSpPr>
+        <p:cNvPr id="1" name=""/>
+        <p:cNvGrpSpPr/>
+        <p:nvPr/>
+      </p:nvGrpSpPr>
+      <p:grpSpPr>
+        <a:xfrm>
+          <a:off x="0" y="0"/>
+          <a:ext cx="0" cy="0"/>
+          <a:chOff x="0" y="0"/>
+          <a:chExt cx="0" cy="0"/>
+        </a:xfrm>
+      </p:grpSpPr>
+      <p:sp>
+        <p:nvSpPr>
           <p:cNvPr id="2" name="Title 1"/>
           <p:cNvSpPr>
             <a:spLocks noGrp="1"/>
@@ -8047,7 +8251,7 @@
 </p:sld>
 </file>
 
-<file path=ppt/slides/slide32.xml><?xml version="1.0" encoding="utf-8"?>
+<file path=ppt/slides/slide33.xml><?xml version="1.0" encoding="utf-8"?>
 <p:sld xmlns:a="http://schemas.openxmlformats.org/drawingml/2006/main" xmlns:r="http://schemas.openxmlformats.org/officeDocument/2006/relationships" xmlns:p="http://schemas.openxmlformats.org/presentationml/2006/main">
   <p:cSld>
     <p:spTree>

--- a/pres-source/05-additional-tools.pptx
+++ b/pres-source/05-additional-tools.pptx
@@ -259,7 +259,7 @@
             <a:fld id="{7307762F-A706-E543-A832-3C298AA3103F}" type="datetimeFigureOut">
               <a:rPr lang="en-US" smtClean="0"/>
               <a:pPr/>
-              <a:t>2/25/20</a:t>
+              <a:t>2/27/20</a:t>
             </a:fld>
             <a:endParaRPr lang="en-US" dirty="0"/>
           </a:p>
@@ -1098,7 +1098,7 @@
           <a:p>
             <a:fld id="{875CF0EB-321F-0749-B37A-89BBA859503C}" type="datetimeFigureOut">
               <a:rPr lang="en-US" smtClean="0"/>
-              <a:t>2/25/20</a:t>
+              <a:t>2/27/20</a:t>
             </a:fld>
             <a:endParaRPr lang="en-US"/>
           </a:p>
@@ -1300,7 +1300,7 @@
           <a:p>
             <a:fld id="{875CF0EB-321F-0749-B37A-89BBA859503C}" type="datetimeFigureOut">
               <a:rPr lang="en-US" smtClean="0"/>
-              <a:t>2/25/20</a:t>
+              <a:t>2/27/20</a:t>
             </a:fld>
             <a:endParaRPr lang="en-US"/>
           </a:p>
@@ -1492,7 +1492,7 @@
           <a:p>
             <a:fld id="{875CF0EB-321F-0749-B37A-89BBA859503C}" type="datetimeFigureOut">
               <a:rPr lang="en-US" smtClean="0"/>
-              <a:t>2/25/20</a:t>
+              <a:t>2/27/20</a:t>
             </a:fld>
             <a:endParaRPr lang="en-US"/>
           </a:p>
@@ -1761,7 +1761,7 @@
           <a:p>
             <a:fld id="{875CF0EB-321F-0749-B37A-89BBA859503C}" type="datetimeFigureOut">
               <a:rPr lang="en-US" smtClean="0"/>
-              <a:t>2/25/20</a:t>
+              <a:t>2/27/20</a:t>
             </a:fld>
             <a:endParaRPr lang="en-US"/>
           </a:p>
@@ -2070,7 +2070,7 @@
           <a:p>
             <a:fld id="{875CF0EB-321F-0749-B37A-89BBA859503C}" type="datetimeFigureOut">
               <a:rPr lang="en-US" smtClean="0"/>
-              <a:t>2/25/20</a:t>
+              <a:t>2/27/20</a:t>
             </a:fld>
             <a:endParaRPr lang="en-US"/>
           </a:p>
@@ -2513,7 +2513,7 @@
           <a:p>
             <a:fld id="{875CF0EB-321F-0749-B37A-89BBA859503C}" type="datetimeFigureOut">
               <a:rPr lang="en-US" smtClean="0"/>
-              <a:t>2/25/20</a:t>
+              <a:t>2/27/20</a:t>
             </a:fld>
             <a:endParaRPr lang="en-US"/>
           </a:p>
@@ -2654,7 +2654,7 @@
           <a:p>
             <a:fld id="{875CF0EB-321F-0749-B37A-89BBA859503C}" type="datetimeFigureOut">
               <a:rPr lang="en-US" smtClean="0"/>
-              <a:t>2/25/20</a:t>
+              <a:t>2/27/20</a:t>
             </a:fld>
             <a:endParaRPr lang="en-US"/>
           </a:p>
@@ -2773,7 +2773,7 @@
           <a:p>
             <a:fld id="{875CF0EB-321F-0749-B37A-89BBA859503C}" type="datetimeFigureOut">
               <a:rPr lang="en-US" smtClean="0"/>
-              <a:t>2/25/20</a:t>
+              <a:t>2/27/20</a:t>
             </a:fld>
             <a:endParaRPr lang="en-US"/>
           </a:p>
@@ -3072,7 +3072,7 @@
           <a:p>
             <a:fld id="{875CF0EB-321F-0749-B37A-89BBA859503C}" type="datetimeFigureOut">
               <a:rPr lang="en-US" smtClean="0"/>
-              <a:t>2/25/20</a:t>
+              <a:t>2/27/20</a:t>
             </a:fld>
             <a:endParaRPr lang="en-US"/>
           </a:p>
@@ -3348,7 +3348,7 @@
           <a:p>
             <a:fld id="{875CF0EB-321F-0749-B37A-89BBA859503C}" type="datetimeFigureOut">
               <a:rPr lang="en-US" smtClean="0"/>
-              <a:t>2/25/20</a:t>
+              <a:t>2/27/20</a:t>
             </a:fld>
             <a:endParaRPr lang="en-US"/>
           </a:p>
@@ -3562,14 +3562,14 @@
           </a:ln>
           <a:extLst>
             <a:ext uri="{909E8E84-426E-40dd-AFC4-6F175D3DCCD1}">
-              <a14:hiddenFill xmlns:a14="http://schemas.microsoft.com/office/drawing/2010/main" xmlns="">
+              <a14:hiddenFill xmlns="" xmlns:a14="http://schemas.microsoft.com/office/drawing/2010/main">
                 <a:solidFill>
                   <a:srgbClr val="FFFFFF"/>
                 </a:solidFill>
               </a14:hiddenFill>
             </a:ext>
             <a:ext uri="{91240B29-F687-4f45-9708-019B960494DF}">
-              <a14:hiddenLine xmlns:a14="http://schemas.microsoft.com/office/drawing/2010/main" xmlns="" w="9525">
+              <a14:hiddenLine xmlns="" xmlns:a14="http://schemas.microsoft.com/office/drawing/2010/main" w="9525">
                 <a:solidFill>
                   <a:srgbClr val="000000"/>
                 </a:solidFill>
@@ -4123,14 +4123,14 @@
           <a:noFill/>
           <a:extLst>
             <a:ext uri="{909E8E84-426E-40dd-AFC4-6F175D3DCCD1}">
-              <a14:hiddenFill xmlns:a14="http://schemas.microsoft.com/office/drawing/2010/main" xmlns="">
+              <a14:hiddenFill xmlns="" xmlns:a14="http://schemas.microsoft.com/office/drawing/2010/main">
                 <a:solidFill>
                   <a:srgbClr val="FFFFFF"/>
                 </a:solidFill>
               </a14:hiddenFill>
             </a:ext>
             <a:ext uri="{91240B29-F687-4f45-9708-019B960494DF}">
-              <a14:hiddenLine xmlns:a14="http://schemas.microsoft.com/office/drawing/2010/main" xmlns="" w="9525">
+              <a14:hiddenLine xmlns="" xmlns:a14="http://schemas.microsoft.com/office/drawing/2010/main" w="9525">
                 <a:solidFill>
                   <a:srgbClr val="000000"/>
                 </a:solidFill>
@@ -4204,14 +4204,14 @@
           <a:noFill/>
           <a:extLst>
             <a:ext uri="{909E8E84-426E-40dd-AFC4-6F175D3DCCD1}">
-              <a14:hiddenFill xmlns:a14="http://schemas.microsoft.com/office/drawing/2010/main" xmlns="">
+              <a14:hiddenFill xmlns="" xmlns:a14="http://schemas.microsoft.com/office/drawing/2010/main">
                 <a:solidFill>
                   <a:srgbClr val="FFFFFF"/>
                 </a:solidFill>
               </a14:hiddenFill>
             </a:ext>
             <a:ext uri="{91240B29-F687-4f45-9708-019B960494DF}">
-              <a14:hiddenLine xmlns:a14="http://schemas.microsoft.com/office/drawing/2010/main" xmlns="" w="9525">
+              <a14:hiddenLine xmlns="" xmlns:a14="http://schemas.microsoft.com/office/drawing/2010/main" w="9525">
                 <a:solidFill>
                   <a:srgbClr val="000000"/>
                 </a:solidFill>
@@ -7193,14 +7193,20 @@
           <a:p>
             <a:r>
               <a:rPr lang="en-US" dirty="0"/>
-              <a:t>Infrastructure-as-a-Service</a:t>
+              <a:t>AWS: Infrastructure-as-a-Service</a:t>
             </a:r>
           </a:p>
         </p:txBody>
       </p:sp>
       <p:pic>
         <p:nvPicPr>
-          <p:cNvPr id="4" name="Picture 3"/>
+          <p:cNvPr id="5" name="Picture 4">
+            <a:extLst>
+              <a:ext uri="{FF2B5EF4-FFF2-40B4-BE49-F238E27FC236}">
+                <a16:creationId xmlns:a16="http://schemas.microsoft.com/office/drawing/2014/main" id="{B04449CE-F460-B148-BFDF-0DC8F9E8C176}"/>
+              </a:ext>
+            </a:extLst>
+          </p:cNvPr>
           <p:cNvPicPr>
             <a:picLocks noChangeAspect="1"/>
           </p:cNvPicPr>
@@ -7214,8 +7220,8 @@
         </p:blipFill>
         <p:spPr>
           <a:xfrm>
-            <a:off x="0" y="274638"/>
-            <a:ext cx="9144000" cy="5651560"/>
+            <a:off x="1286932" y="1291334"/>
+            <a:ext cx="5843105" cy="4989781"/>
           </a:xfrm>
           <a:prstGeom prst="rect">
             <a:avLst/>
